--- a/src/HBB-Overlays-ARM v0.1.pptx
+++ b/src/HBB-Overlays-ARM v0.1.pptx
@@ -311,6 +311,11 @@
       </a:defRPr>
     </a:lvl9pPr>
   </p:defaultTextStyle>
+  <p:extLst>
+    <p:ext uri="{EFAFB233-063F-42B5-8137-9DF3F51BA10A}">
+      <p15:sldGuideLst xmlns:p15="http://schemas.microsoft.com/office/powerpoint/2012/main"/>
+    </p:ext>
+  </p:extLst>
 </p:presentation>
 </file>
 
@@ -1960,7 +1965,7 @@
           </a:ln>
           <a:extLst>
             <a:ext uri="{C572A759-6A51-4108-AA02-DFA0A04FC94B}">
-              <ma14:wrappingTextBoxFlag xmlns:ma14="http://schemas.microsoft.com/office/mac/drawingml/2011/main" xmlns:a14="http://schemas.microsoft.com/office/drawing/2010/main" xmlns:m="http://schemas.openxmlformats.org/officeDocument/2006/math" xmlns="" val="1"/>
+              <ma14:wrappingTextBoxFlag xmlns="" xmlns:m="http://schemas.openxmlformats.org/officeDocument/2006/math" xmlns:a14="http://schemas.microsoft.com/office/drawing/2010/main" xmlns:ma14="http://schemas.microsoft.com/office/mac/drawingml/2011/main" val="1"/>
             </a:ext>
           </a:extLst>
         </p:spPr>
@@ -1999,7 +2004,7 @@
           </a:ln>
           <a:extLst>
             <a:ext uri="{C572A759-6A51-4108-AA02-DFA0A04FC94B}">
-              <ma14:wrappingTextBoxFlag xmlns:ma14="http://schemas.microsoft.com/office/mac/drawingml/2011/main" xmlns:a14="http://schemas.microsoft.com/office/drawing/2010/main" xmlns:m="http://schemas.openxmlformats.org/officeDocument/2006/math" xmlns="" val="1"/>
+              <ma14:wrappingTextBoxFlag xmlns="" xmlns:m="http://schemas.openxmlformats.org/officeDocument/2006/math" xmlns:a14="http://schemas.microsoft.com/office/drawing/2010/main" xmlns:ma14="http://schemas.microsoft.com/office/mac/drawingml/2011/main" val="1"/>
             </a:ext>
           </a:extLst>
         </p:spPr>
@@ -3032,7 +3037,7 @@
             </a:ln>
             <a:extLst>
               <a:ext uri="{C572A759-6A51-4108-AA02-DFA0A04FC94B}">
-                <ma14:wrappingTextBoxFlag xmlns:ma14="http://schemas.microsoft.com/office/mac/drawingml/2011/main" xmlns:a14="http://schemas.microsoft.com/office/drawing/2010/main" xmlns:m="http://schemas.openxmlformats.org/officeDocument/2006/math" xmlns="" val="1"/>
+                <ma14:wrappingTextBoxFlag xmlns="" xmlns:m="http://schemas.openxmlformats.org/officeDocument/2006/math" xmlns:a14="http://schemas.microsoft.com/office/drawing/2010/main" xmlns:ma14="http://schemas.microsoft.com/office/mac/drawingml/2011/main" val="1"/>
               </a:ext>
             </a:extLst>
           </p:spPr>
@@ -3417,7 +3422,7 @@
           </a:ln>
           <a:extLst>
             <a:ext uri="{C572A759-6A51-4108-AA02-DFA0A04FC94B}">
-              <ma14:wrappingTextBoxFlag xmlns:ma14="http://schemas.microsoft.com/office/mac/drawingml/2011/main" xmlns:a14="http://schemas.microsoft.com/office/drawing/2010/main" xmlns:m="http://schemas.openxmlformats.org/officeDocument/2006/math" xmlns="" val="1"/>
+              <ma14:wrappingTextBoxFlag xmlns="" xmlns:m="http://schemas.openxmlformats.org/officeDocument/2006/math" xmlns:a14="http://schemas.microsoft.com/office/drawing/2010/main" xmlns:ma14="http://schemas.microsoft.com/office/mac/drawingml/2011/main" val="1"/>
             </a:ext>
           </a:extLst>
         </p:spPr>
@@ -3469,7 +3474,7 @@
           </a:ln>
           <a:extLst>
             <a:ext uri="{C572A759-6A51-4108-AA02-DFA0A04FC94B}">
-              <ma14:wrappingTextBoxFlag xmlns:ma14="http://schemas.microsoft.com/office/mac/drawingml/2011/main" xmlns:a14="http://schemas.microsoft.com/office/drawing/2010/main" xmlns:m="http://schemas.openxmlformats.org/officeDocument/2006/math" xmlns="" val="1"/>
+              <ma14:wrappingTextBoxFlag xmlns="" xmlns:m="http://schemas.openxmlformats.org/officeDocument/2006/math" xmlns:a14="http://schemas.microsoft.com/office/drawing/2010/main" xmlns:ma14="http://schemas.microsoft.com/office/mac/drawingml/2011/main" val="1"/>
             </a:ext>
           </a:extLst>
         </p:spPr>
@@ -3521,7 +3526,7 @@
           </a:ln>
           <a:extLst>
             <a:ext uri="{C572A759-6A51-4108-AA02-DFA0A04FC94B}">
-              <ma14:wrappingTextBoxFlag xmlns:ma14="http://schemas.microsoft.com/office/mac/drawingml/2011/main" xmlns:a14="http://schemas.microsoft.com/office/drawing/2010/main" xmlns:m="http://schemas.openxmlformats.org/officeDocument/2006/math" xmlns="" val="1"/>
+              <ma14:wrappingTextBoxFlag xmlns="" xmlns:m="http://schemas.openxmlformats.org/officeDocument/2006/math" xmlns:a14="http://schemas.microsoft.com/office/drawing/2010/main" xmlns:ma14="http://schemas.microsoft.com/office/mac/drawingml/2011/main" val="1"/>
             </a:ext>
           </a:extLst>
         </p:spPr>
@@ -3703,7 +3708,7 @@
             </a:ln>
             <a:extLst>
               <a:ext uri="{C572A759-6A51-4108-AA02-DFA0A04FC94B}">
-                <ma14:wrappingTextBoxFlag xmlns:ma14="http://schemas.microsoft.com/office/mac/drawingml/2011/main" xmlns:a14="http://schemas.microsoft.com/office/drawing/2010/main" xmlns:m="http://schemas.openxmlformats.org/officeDocument/2006/math" xmlns="" val="1"/>
+                <ma14:wrappingTextBoxFlag xmlns="" xmlns:m="http://schemas.openxmlformats.org/officeDocument/2006/math" xmlns:a14="http://schemas.microsoft.com/office/drawing/2010/main" xmlns:ma14="http://schemas.microsoft.com/office/mac/drawingml/2011/main" val="1"/>
               </a:ext>
             </a:extLst>
           </p:spPr>
@@ -3781,7 +3786,7 @@
           </a:ln>
           <a:extLst>
             <a:ext uri="{C572A759-6A51-4108-AA02-DFA0A04FC94B}">
-              <ma14:wrappingTextBoxFlag xmlns:ma14="http://schemas.microsoft.com/office/mac/drawingml/2011/main" xmlns:a14="http://schemas.microsoft.com/office/drawing/2010/main" xmlns:m="http://schemas.openxmlformats.org/officeDocument/2006/math" xmlns="" val="1"/>
+              <ma14:wrappingTextBoxFlag xmlns="" xmlns:m="http://schemas.openxmlformats.org/officeDocument/2006/math" xmlns:a14="http://schemas.microsoft.com/office/drawing/2010/main" xmlns:ma14="http://schemas.microsoft.com/office/mac/drawingml/2011/main" val="1"/>
             </a:ext>
           </a:extLst>
         </p:spPr>
@@ -3827,7 +3832,7 @@
           </a:ln>
           <a:extLst>
             <a:ext uri="{C572A759-6A51-4108-AA02-DFA0A04FC94B}">
-              <ma14:wrappingTextBoxFlag xmlns:ma14="http://schemas.microsoft.com/office/mac/drawingml/2011/main" xmlns:a14="http://schemas.microsoft.com/office/drawing/2010/main" xmlns:m="http://schemas.openxmlformats.org/officeDocument/2006/math" xmlns="" val="1"/>
+              <ma14:wrappingTextBoxFlag xmlns="" xmlns:m="http://schemas.openxmlformats.org/officeDocument/2006/math" xmlns:a14="http://schemas.microsoft.com/office/drawing/2010/main" xmlns:ma14="http://schemas.microsoft.com/office/mac/drawingml/2011/main" val="1"/>
             </a:ext>
           </a:extLst>
         </p:spPr>
@@ -3958,7 +3963,7 @@
           </a:ln>
           <a:extLst>
             <a:ext uri="{C572A759-6A51-4108-AA02-DFA0A04FC94B}">
-              <ma14:wrappingTextBoxFlag xmlns:ma14="http://schemas.microsoft.com/office/mac/drawingml/2011/main" xmlns:a14="http://schemas.microsoft.com/office/drawing/2010/main" xmlns:m="http://schemas.openxmlformats.org/officeDocument/2006/math" xmlns="" val="1"/>
+              <ma14:wrappingTextBoxFlag xmlns="" xmlns:m="http://schemas.openxmlformats.org/officeDocument/2006/math" xmlns:a14="http://schemas.microsoft.com/office/drawing/2010/main" xmlns:ma14="http://schemas.microsoft.com/office/mac/drawingml/2011/main" val="1"/>
             </a:ext>
           </a:extLst>
         </p:spPr>
@@ -4043,7 +4048,7 @@
           </a:ln>
           <a:extLst>
             <a:ext uri="{C572A759-6A51-4108-AA02-DFA0A04FC94B}">
-              <ma14:wrappingTextBoxFlag xmlns:ma14="http://schemas.microsoft.com/office/mac/drawingml/2011/main" xmlns:a14="http://schemas.microsoft.com/office/drawing/2010/main" xmlns:m="http://schemas.openxmlformats.org/officeDocument/2006/math" xmlns="" val="1"/>
+              <ma14:wrappingTextBoxFlag xmlns="" xmlns:m="http://schemas.openxmlformats.org/officeDocument/2006/math" xmlns:a14="http://schemas.microsoft.com/office/drawing/2010/main" xmlns:ma14="http://schemas.microsoft.com/office/mac/drawingml/2011/main" val="1"/>
             </a:ext>
           </a:extLst>
         </p:spPr>
@@ -4450,7 +4455,7 @@
           </a:ln>
           <a:extLst>
             <a:ext uri="{C572A759-6A51-4108-AA02-DFA0A04FC94B}">
-              <ma14:wrappingTextBoxFlag xmlns:ma14="http://schemas.microsoft.com/office/mac/drawingml/2011/main" xmlns:a14="http://schemas.microsoft.com/office/drawing/2010/main" xmlns:m="http://schemas.openxmlformats.org/officeDocument/2006/math" xmlns="" val="1"/>
+              <ma14:wrappingTextBoxFlag xmlns="" xmlns:m="http://schemas.openxmlformats.org/officeDocument/2006/math" xmlns:a14="http://schemas.microsoft.com/office/drawing/2010/main" xmlns:ma14="http://schemas.microsoft.com/office/mac/drawingml/2011/main" val="1"/>
             </a:ext>
           </a:extLst>
         </p:spPr>
@@ -4510,7 +4515,7 @@
           </a:ln>
           <a:extLst>
             <a:ext uri="{C572A759-6A51-4108-AA02-DFA0A04FC94B}">
-              <ma14:wrappingTextBoxFlag xmlns:ma14="http://schemas.microsoft.com/office/mac/drawingml/2011/main" xmlns:a14="http://schemas.microsoft.com/office/drawing/2010/main" xmlns:m="http://schemas.openxmlformats.org/officeDocument/2006/math" xmlns="" val="1"/>
+              <ma14:wrappingTextBoxFlag xmlns="" xmlns:m="http://schemas.openxmlformats.org/officeDocument/2006/math" xmlns:a14="http://schemas.microsoft.com/office/drawing/2010/main" xmlns:ma14="http://schemas.microsoft.com/office/mac/drawingml/2011/main" val="1"/>
             </a:ext>
           </a:extLst>
         </p:spPr>
@@ -4554,7 +4559,7 @@
           </a:ln>
           <a:extLst>
             <a:ext uri="{C572A759-6A51-4108-AA02-DFA0A04FC94B}">
-              <ma14:wrappingTextBoxFlag xmlns:ma14="http://schemas.microsoft.com/office/mac/drawingml/2011/main" xmlns:a14="http://schemas.microsoft.com/office/drawing/2010/main" xmlns:m="http://schemas.openxmlformats.org/officeDocument/2006/math" xmlns="" val="1"/>
+              <ma14:wrappingTextBoxFlag xmlns="" xmlns:m="http://schemas.openxmlformats.org/officeDocument/2006/math" xmlns:a14="http://schemas.microsoft.com/office/drawing/2010/main" xmlns:ma14="http://schemas.microsoft.com/office/mac/drawingml/2011/main" val="1"/>
             </a:ext>
           </a:extLst>
         </p:spPr>
@@ -4598,7 +4603,7 @@
           </a:ln>
           <a:extLst>
             <a:ext uri="{C572A759-6A51-4108-AA02-DFA0A04FC94B}">
-              <ma14:wrappingTextBoxFlag xmlns:ma14="http://schemas.microsoft.com/office/mac/drawingml/2011/main" xmlns:a14="http://schemas.microsoft.com/office/drawing/2010/main" xmlns:m="http://schemas.openxmlformats.org/officeDocument/2006/math" xmlns="" val="1"/>
+              <ma14:wrappingTextBoxFlag xmlns="" xmlns:m="http://schemas.openxmlformats.org/officeDocument/2006/math" xmlns:a14="http://schemas.microsoft.com/office/drawing/2010/main" xmlns:ma14="http://schemas.microsoft.com/office/mac/drawingml/2011/main" val="1"/>
             </a:ext>
           </a:extLst>
         </p:spPr>
@@ -4770,7 +4775,7 @@
           </a:ln>
           <a:extLst>
             <a:ext uri="{C572A759-6A51-4108-AA02-DFA0A04FC94B}">
-              <ma14:wrappingTextBoxFlag xmlns:ma14="http://schemas.microsoft.com/office/mac/drawingml/2011/main" xmlns:a14="http://schemas.microsoft.com/office/drawing/2010/main" xmlns:m="http://schemas.openxmlformats.org/officeDocument/2006/math" xmlns="" val="1"/>
+              <ma14:wrappingTextBoxFlag xmlns="" xmlns:m="http://schemas.openxmlformats.org/officeDocument/2006/math" xmlns:a14="http://schemas.microsoft.com/office/drawing/2010/main" xmlns:ma14="http://schemas.microsoft.com/office/mac/drawingml/2011/main" val="1"/>
             </a:ext>
           </a:extLst>
         </p:spPr>
@@ -4898,7 +4903,7 @@
             </a:ln>
             <a:extLst>
               <a:ext uri="{C572A759-6A51-4108-AA02-DFA0A04FC94B}">
-                <ma14:wrappingTextBoxFlag xmlns:ma14="http://schemas.microsoft.com/office/mac/drawingml/2011/main" xmlns:a14="http://schemas.microsoft.com/office/drawing/2010/main" xmlns:m="http://schemas.openxmlformats.org/officeDocument/2006/math" xmlns="" val="1"/>
+                <ma14:wrappingTextBoxFlag xmlns="" xmlns:m="http://schemas.openxmlformats.org/officeDocument/2006/math" xmlns:a14="http://schemas.microsoft.com/office/drawing/2010/main" xmlns:ma14="http://schemas.microsoft.com/office/mac/drawingml/2011/main" val="1"/>
               </a:ext>
             </a:extLst>
           </p:spPr>
@@ -5090,7 +5095,7 @@
             </a:ln>
             <a:extLst>
               <a:ext uri="{C572A759-6A51-4108-AA02-DFA0A04FC94B}">
-                <ma14:wrappingTextBoxFlag xmlns:ma14="http://schemas.microsoft.com/office/mac/drawingml/2011/main" xmlns:a14="http://schemas.microsoft.com/office/drawing/2010/main" xmlns:m="http://schemas.openxmlformats.org/officeDocument/2006/math" xmlns="" val="1"/>
+                <ma14:wrappingTextBoxFlag xmlns="" xmlns:m="http://schemas.openxmlformats.org/officeDocument/2006/math" xmlns:a14="http://schemas.microsoft.com/office/drawing/2010/main" xmlns:ma14="http://schemas.microsoft.com/office/mac/drawingml/2011/main" val="1"/>
               </a:ext>
             </a:extLst>
           </p:spPr>
@@ -5203,7 +5208,7 @@
             </a:ln>
             <a:extLst>
               <a:ext uri="{C572A759-6A51-4108-AA02-DFA0A04FC94B}">
-                <ma14:wrappingTextBoxFlag xmlns:ma14="http://schemas.microsoft.com/office/mac/drawingml/2011/main" xmlns:a14="http://schemas.microsoft.com/office/drawing/2010/main" xmlns:m="http://schemas.openxmlformats.org/officeDocument/2006/math" xmlns="" val="1"/>
+                <ma14:wrappingTextBoxFlag xmlns="" xmlns:m="http://schemas.openxmlformats.org/officeDocument/2006/math" xmlns:a14="http://schemas.microsoft.com/office/drawing/2010/main" xmlns:ma14="http://schemas.microsoft.com/office/mac/drawingml/2011/main" val="1"/>
               </a:ext>
             </a:extLst>
           </p:spPr>
@@ -5411,7 +5416,7 @@
             </a:ln>
             <a:extLst>
               <a:ext uri="{C572A759-6A51-4108-AA02-DFA0A04FC94B}">
-                <ma14:wrappingTextBoxFlag xmlns:ma14="http://schemas.microsoft.com/office/mac/drawingml/2011/main" xmlns:a14="http://schemas.microsoft.com/office/drawing/2010/main" xmlns:m="http://schemas.openxmlformats.org/officeDocument/2006/math" xmlns="" val="1"/>
+                <ma14:wrappingTextBoxFlag xmlns="" xmlns:m="http://schemas.openxmlformats.org/officeDocument/2006/math" xmlns:a14="http://schemas.microsoft.com/office/drawing/2010/main" xmlns:ma14="http://schemas.microsoft.com/office/mac/drawingml/2011/main" val="1"/>
               </a:ext>
             </a:extLst>
           </p:spPr>
@@ -5466,7 +5471,7 @@
             </a:ln>
             <a:extLst>
               <a:ext uri="{C572A759-6A51-4108-AA02-DFA0A04FC94B}">
-                <ma14:wrappingTextBoxFlag xmlns:ma14="http://schemas.microsoft.com/office/mac/drawingml/2011/main" xmlns:a14="http://schemas.microsoft.com/office/drawing/2010/main" xmlns:m="http://schemas.openxmlformats.org/officeDocument/2006/math" xmlns="" val="1"/>
+                <ma14:wrappingTextBoxFlag xmlns="" xmlns:m="http://schemas.openxmlformats.org/officeDocument/2006/math" xmlns:a14="http://schemas.microsoft.com/office/drawing/2010/main" xmlns:ma14="http://schemas.microsoft.com/office/mac/drawingml/2011/main" val="1"/>
               </a:ext>
             </a:extLst>
           </p:spPr>
@@ -5563,7 +5568,7 @@
           </a:ln>
           <a:extLst>
             <a:ext uri="{C572A759-6A51-4108-AA02-DFA0A04FC94B}">
-              <ma14:wrappingTextBoxFlag xmlns:ma14="http://schemas.microsoft.com/office/mac/drawingml/2011/main" xmlns:a14="http://schemas.microsoft.com/office/drawing/2010/main" xmlns:m="http://schemas.openxmlformats.org/officeDocument/2006/math" xmlns="" val="1"/>
+              <ma14:wrappingTextBoxFlag xmlns="" xmlns:m="http://schemas.openxmlformats.org/officeDocument/2006/math" xmlns:a14="http://schemas.microsoft.com/office/drawing/2010/main" xmlns:ma14="http://schemas.microsoft.com/office/mac/drawingml/2011/main" val="1"/>
             </a:ext>
           </a:extLst>
         </p:spPr>
@@ -5647,7 +5652,7 @@
           </a:ln>
           <a:extLst>
             <a:ext uri="{C572A759-6A51-4108-AA02-DFA0A04FC94B}">
-              <ma14:wrappingTextBoxFlag xmlns:ma14="http://schemas.microsoft.com/office/mac/drawingml/2011/main" xmlns:a14="http://schemas.microsoft.com/office/drawing/2010/main" xmlns:m="http://schemas.openxmlformats.org/officeDocument/2006/math" xmlns="" val="1"/>
+              <ma14:wrappingTextBoxFlag xmlns="" xmlns:m="http://schemas.openxmlformats.org/officeDocument/2006/math" xmlns:a14="http://schemas.microsoft.com/office/drawing/2010/main" xmlns:ma14="http://schemas.microsoft.com/office/mac/drawingml/2011/main" val="1"/>
             </a:ext>
           </a:extLst>
         </p:spPr>
@@ -5848,7 +5853,7 @@
             </a:ln>
             <a:extLst>
               <a:ext uri="{C572A759-6A51-4108-AA02-DFA0A04FC94B}">
-                <ma14:wrappingTextBoxFlag xmlns:ma14="http://schemas.microsoft.com/office/mac/drawingml/2011/main" xmlns:a14="http://schemas.microsoft.com/office/drawing/2010/main" xmlns:m="http://schemas.openxmlformats.org/officeDocument/2006/math" xmlns="" val="1"/>
+                <ma14:wrappingTextBoxFlag xmlns="" xmlns:m="http://schemas.openxmlformats.org/officeDocument/2006/math" xmlns:a14="http://schemas.microsoft.com/office/drawing/2010/main" xmlns:ma14="http://schemas.microsoft.com/office/mac/drawingml/2011/main" val="1"/>
               </a:ext>
             </a:extLst>
           </p:spPr>
@@ -5946,7 +5951,7 @@
             </a:ln>
             <a:extLst>
               <a:ext uri="{C572A759-6A51-4108-AA02-DFA0A04FC94B}">
-                <ma14:wrappingTextBoxFlag xmlns:ma14="http://schemas.microsoft.com/office/mac/drawingml/2011/main" xmlns:a14="http://schemas.microsoft.com/office/drawing/2010/main" xmlns:m="http://schemas.openxmlformats.org/officeDocument/2006/math" xmlns="" val="1"/>
+                <ma14:wrappingTextBoxFlag xmlns="" xmlns:m="http://schemas.openxmlformats.org/officeDocument/2006/math" xmlns:a14="http://schemas.microsoft.com/office/drawing/2010/main" xmlns:ma14="http://schemas.microsoft.com/office/mac/drawingml/2011/main" val="1"/>
               </a:ext>
             </a:extLst>
           </p:spPr>
@@ -6294,7 +6299,7 @@
             </a:ln>
             <a:extLst>
               <a:ext uri="{C572A759-6A51-4108-AA02-DFA0A04FC94B}">
-                <ma14:wrappingTextBoxFlag xmlns:ma14="http://schemas.microsoft.com/office/mac/drawingml/2011/main" xmlns:a14="http://schemas.microsoft.com/office/drawing/2010/main" xmlns:m="http://schemas.openxmlformats.org/officeDocument/2006/math" xmlns="" val="1"/>
+                <ma14:wrappingTextBoxFlag xmlns="" xmlns:m="http://schemas.openxmlformats.org/officeDocument/2006/math" xmlns:a14="http://schemas.microsoft.com/office/drawing/2010/main" xmlns:ma14="http://schemas.microsoft.com/office/mac/drawingml/2011/main" val="1"/>
               </a:ext>
             </a:extLst>
           </p:spPr>
@@ -6407,7 +6412,7 @@
             </a:ln>
             <a:extLst>
               <a:ext uri="{C572A759-6A51-4108-AA02-DFA0A04FC94B}">
-                <ma14:wrappingTextBoxFlag xmlns:ma14="http://schemas.microsoft.com/office/mac/drawingml/2011/main" xmlns:a14="http://schemas.microsoft.com/office/drawing/2010/main" xmlns:m="http://schemas.openxmlformats.org/officeDocument/2006/math" xmlns="" val="1"/>
+                <ma14:wrappingTextBoxFlag xmlns="" xmlns:m="http://schemas.openxmlformats.org/officeDocument/2006/math" xmlns:a14="http://schemas.microsoft.com/office/drawing/2010/main" xmlns:ma14="http://schemas.microsoft.com/office/mac/drawingml/2011/main" val="1"/>
               </a:ext>
             </a:extLst>
           </p:spPr>
@@ -6570,7 +6575,7 @@
             </a:ln>
             <a:extLst>
               <a:ext uri="{C572A759-6A51-4108-AA02-DFA0A04FC94B}">
-                <ma14:wrappingTextBoxFlag xmlns:ma14="http://schemas.microsoft.com/office/mac/drawingml/2011/main" xmlns:a14="http://schemas.microsoft.com/office/drawing/2010/main" xmlns:m="http://schemas.openxmlformats.org/officeDocument/2006/math" xmlns="" val="1"/>
+                <ma14:wrappingTextBoxFlag xmlns="" xmlns:m="http://schemas.openxmlformats.org/officeDocument/2006/math" xmlns:a14="http://schemas.microsoft.com/office/drawing/2010/main" xmlns:ma14="http://schemas.microsoft.com/office/mac/drawingml/2011/main" val="1"/>
               </a:ext>
             </a:extLst>
           </p:spPr>
@@ -6671,7 +6676,7 @@
             </a:ln>
             <a:extLst>
               <a:ext uri="{C572A759-6A51-4108-AA02-DFA0A04FC94B}">
-                <ma14:wrappingTextBoxFlag xmlns:ma14="http://schemas.microsoft.com/office/mac/drawingml/2011/main" xmlns:a14="http://schemas.microsoft.com/office/drawing/2010/main" xmlns:m="http://schemas.openxmlformats.org/officeDocument/2006/math" xmlns="" val="1"/>
+                <ma14:wrappingTextBoxFlag xmlns="" xmlns:m="http://schemas.openxmlformats.org/officeDocument/2006/math" xmlns:a14="http://schemas.microsoft.com/office/drawing/2010/main" xmlns:ma14="http://schemas.microsoft.com/office/mac/drawingml/2011/main" val="1"/>
               </a:ext>
             </a:extLst>
           </p:spPr>
@@ -6846,7 +6851,7 @@
             </a:ln>
             <a:extLst>
               <a:ext uri="{C572A759-6A51-4108-AA02-DFA0A04FC94B}">
-                <ma14:wrappingTextBoxFlag xmlns:ma14="http://schemas.microsoft.com/office/mac/drawingml/2011/main" xmlns:a14="http://schemas.microsoft.com/office/drawing/2010/main" xmlns:m="http://schemas.openxmlformats.org/officeDocument/2006/math" xmlns="" val="1"/>
+                <ma14:wrappingTextBoxFlag xmlns="" xmlns:m="http://schemas.openxmlformats.org/officeDocument/2006/math" xmlns:a14="http://schemas.microsoft.com/office/drawing/2010/main" xmlns:ma14="http://schemas.microsoft.com/office/mac/drawingml/2011/main" val="1"/>
               </a:ext>
             </a:extLst>
           </p:spPr>
@@ -6954,7 +6959,7 @@
             </a:ln>
             <a:extLst>
               <a:ext uri="{C572A759-6A51-4108-AA02-DFA0A04FC94B}">
-                <ma14:wrappingTextBoxFlag xmlns:ma14="http://schemas.microsoft.com/office/mac/drawingml/2011/main" xmlns:a14="http://schemas.microsoft.com/office/drawing/2010/main" xmlns:m="http://schemas.openxmlformats.org/officeDocument/2006/math" xmlns="" val="1"/>
+                <ma14:wrappingTextBoxFlag xmlns="" xmlns:m="http://schemas.openxmlformats.org/officeDocument/2006/math" xmlns:a14="http://schemas.microsoft.com/office/drawing/2010/main" xmlns:ma14="http://schemas.microsoft.com/office/mac/drawingml/2011/main" val="1"/>
               </a:ext>
             </a:extLst>
           </p:spPr>
@@ -7029,7 +7034,7 @@
             </a:ln>
             <a:extLst>
               <a:ext uri="{C572A759-6A51-4108-AA02-DFA0A04FC94B}">
-                <ma14:wrappingTextBoxFlag xmlns:ma14="http://schemas.microsoft.com/office/mac/drawingml/2011/main" xmlns:a14="http://schemas.microsoft.com/office/drawing/2010/main" xmlns:m="http://schemas.openxmlformats.org/officeDocument/2006/math" xmlns="" val="1"/>
+                <ma14:wrappingTextBoxFlag xmlns="" xmlns:m="http://schemas.openxmlformats.org/officeDocument/2006/math" xmlns:a14="http://schemas.microsoft.com/office/drawing/2010/main" xmlns:ma14="http://schemas.microsoft.com/office/mac/drawingml/2011/main" val="1"/>
               </a:ext>
             </a:extLst>
           </p:spPr>
@@ -7139,7 +7144,7 @@
             </a:ln>
             <a:extLst>
               <a:ext uri="{C572A759-6A51-4108-AA02-DFA0A04FC94B}">
-                <ma14:wrappingTextBoxFlag xmlns:ma14="http://schemas.microsoft.com/office/mac/drawingml/2011/main" xmlns:a14="http://schemas.microsoft.com/office/drawing/2010/main" xmlns:m="http://schemas.openxmlformats.org/officeDocument/2006/math" xmlns="" val="1"/>
+                <ma14:wrappingTextBoxFlag xmlns="" xmlns:m="http://schemas.openxmlformats.org/officeDocument/2006/math" xmlns:a14="http://schemas.microsoft.com/office/drawing/2010/main" xmlns:ma14="http://schemas.microsoft.com/office/mac/drawingml/2011/main" val="1"/>
               </a:ext>
             </a:extLst>
           </p:spPr>
@@ -7204,36 +7209,6 @@
           </p:txBody>
         </p:sp>
       </p:grpSp>
-      <p:sp>
-        <p:nvSpPr>
-          <p:cNvPr id="197" name="Line"/>
-          <p:cNvSpPr/>
-          <p:nvPr/>
-        </p:nvSpPr>
-        <p:spPr>
-          <a:xfrm flipV="1">
-            <a:off x="6855734" y="865096"/>
-            <a:ext cx="2504502" cy="9171150"/>
-          </a:xfrm>
-          <a:prstGeom prst="line">
-            <a:avLst/>
-          </a:prstGeom>
-          <a:ln w="25400">
-            <a:solidFill>
-              <a:schemeClr val="accent5"/>
-            </a:solidFill>
-            <a:prstDash val="sysDot"/>
-            <a:miter lim="400000"/>
-          </a:ln>
-        </p:spPr>
-        <p:txBody>
-          <a:bodyPr lIns="45718" tIns="45718" rIns="45718" bIns="45718"/>
-          <a:lstStyle/>
-          <a:p>
-            <a:endParaRPr/>
-          </a:p>
-        </p:txBody>
-      </p:sp>
       <p:grpSp>
         <p:nvGrpSpPr>
           <p:cNvPr id="92" name="Group 91">
@@ -7428,7 +7403,7 @@
             </a:ln>
             <a:extLst>
               <a:ext uri="{C572A759-6A51-4108-AA02-DFA0A04FC94B}">
-                <ma14:wrappingTextBoxFlag xmlns:ma14="http://schemas.microsoft.com/office/mac/drawingml/2011/main" xmlns:a14="http://schemas.microsoft.com/office/drawing/2010/main" xmlns:m="http://schemas.openxmlformats.org/officeDocument/2006/math" xmlns="" val="1"/>
+                <ma14:wrappingTextBoxFlag xmlns="" xmlns:m="http://schemas.openxmlformats.org/officeDocument/2006/math" xmlns:a14="http://schemas.microsoft.com/office/drawing/2010/main" xmlns:ma14="http://schemas.microsoft.com/office/mac/drawingml/2011/main" val="1"/>
               </a:ext>
             </a:extLst>
           </p:spPr>
@@ -7483,7 +7458,7 @@
             </a:ln>
             <a:extLst>
               <a:ext uri="{C572A759-6A51-4108-AA02-DFA0A04FC94B}">
-                <ma14:wrappingTextBoxFlag xmlns:ma14="http://schemas.microsoft.com/office/mac/drawingml/2011/main" xmlns:a14="http://schemas.microsoft.com/office/drawing/2010/main" xmlns:m="http://schemas.openxmlformats.org/officeDocument/2006/math" xmlns="" val="1"/>
+                <ma14:wrappingTextBoxFlag xmlns="" xmlns:m="http://schemas.openxmlformats.org/officeDocument/2006/math" xmlns:a14="http://schemas.microsoft.com/office/drawing/2010/main" xmlns:ma14="http://schemas.microsoft.com/office/mac/drawingml/2011/main" val="1"/>
               </a:ext>
             </a:extLst>
           </p:spPr>
@@ -7652,7 +7627,7 @@
             </a:ln>
             <a:extLst>
               <a:ext uri="{C572A759-6A51-4108-AA02-DFA0A04FC94B}">
-                <ma14:wrappingTextBoxFlag xmlns:ma14="http://schemas.microsoft.com/office/mac/drawingml/2011/main" xmlns:a14="http://schemas.microsoft.com/office/drawing/2010/main" xmlns:m="http://schemas.openxmlformats.org/officeDocument/2006/math" xmlns="" val="1"/>
+                <ma14:wrappingTextBoxFlag xmlns="" xmlns:m="http://schemas.openxmlformats.org/officeDocument/2006/math" xmlns:a14="http://schemas.microsoft.com/office/drawing/2010/main" xmlns:ma14="http://schemas.microsoft.com/office/mac/drawingml/2011/main" val="1"/>
               </a:ext>
             </a:extLst>
           </p:spPr>
@@ -7768,7 +7743,7 @@
             </a:ln>
             <a:extLst>
               <a:ext uri="{C572A759-6A51-4108-AA02-DFA0A04FC94B}">
-                <ma14:wrappingTextBoxFlag xmlns:ma14="http://schemas.microsoft.com/office/mac/drawingml/2011/main" xmlns:a14="http://schemas.microsoft.com/office/drawing/2010/main" xmlns:m="http://schemas.openxmlformats.org/officeDocument/2006/math" xmlns="" val="1"/>
+                <ma14:wrappingTextBoxFlag xmlns="" xmlns:m="http://schemas.openxmlformats.org/officeDocument/2006/math" xmlns:a14="http://schemas.microsoft.com/office/drawing/2010/main" xmlns:ma14="http://schemas.microsoft.com/office/mac/drawingml/2011/main" val="1"/>
               </a:ext>
             </a:extLst>
           </p:spPr>
@@ -7985,6 +7960,36 @@
           </p:txBody>
         </p:sp>
       </p:grpSp>
+      <p:sp>
+        <p:nvSpPr>
+          <p:cNvPr id="197" name="Line"/>
+          <p:cNvSpPr/>
+          <p:nvPr/>
+        </p:nvSpPr>
+        <p:spPr>
+          <a:xfrm flipV="1">
+            <a:off x="6855734" y="865096"/>
+            <a:ext cx="2504502" cy="9171150"/>
+          </a:xfrm>
+          <a:prstGeom prst="line">
+            <a:avLst/>
+          </a:prstGeom>
+          <a:ln w="25400">
+            <a:solidFill>
+              <a:schemeClr val="accent5"/>
+            </a:solidFill>
+            <a:prstDash val="sysDot"/>
+            <a:miter lim="400000"/>
+          </a:ln>
+        </p:spPr>
+        <p:txBody>
+          <a:bodyPr lIns="45718" tIns="45718" rIns="45718" bIns="45718"/>
+          <a:lstStyle/>
+          <a:p>
+            <a:endParaRPr/>
+          </a:p>
+        </p:txBody>
+      </p:sp>
     </p:spTree>
     <p:extLst>
       <p:ext uri="{BB962C8B-B14F-4D97-AF65-F5344CB8AC3E}">
